--- a/ppt 16-9/0748.我心完全归你.pptx
+++ b/ppt 16-9/0748.我心完全归你.pptx
@@ -5,7 +5,7 @@
     <p:sldMasterId id="2147483648" r:id="rId1"/>
   </p:sldMasterIdLst>
   <p:sldIdLst>
-    <p:sldId id="1995" r:id="rId2"/>
+    <p:sldId id="1997" r:id="rId2"/>
   </p:sldIdLst>
   <p:sldSz cx="12192000" cy="6858000"/>
   <p:notesSz cx="6858000" cy="9144000"/>
@@ -129,7 +129,7 @@
           <p:cNvPr id="2" name="标题 1">
             <a:extLst>
               <a:ext uri="{FF2B5EF4-FFF2-40B4-BE49-F238E27FC236}">
-                <a16:creationId xmlns:a16="http://schemas.microsoft.com/office/drawing/2014/main" id="{74AA9DDA-DD00-432D-0B97-0CA8BB1B7CAC}"/>
+                <a16:creationId xmlns:a16="http://schemas.microsoft.com/office/drawing/2014/main" id="{1F27CC9C-5E93-59B6-E0CD-1029C9971C58}"/>
               </a:ext>
             </a:extLst>
           </p:cNvPr>
@@ -166,7 +166,7 @@
           <p:cNvPr id="3" name="副标题 2">
             <a:extLst>
               <a:ext uri="{FF2B5EF4-FFF2-40B4-BE49-F238E27FC236}">
-                <a16:creationId xmlns:a16="http://schemas.microsoft.com/office/drawing/2014/main" id="{253B42DC-6757-8B2C-5A90-46FF5EB34178}"/>
+                <a16:creationId xmlns:a16="http://schemas.microsoft.com/office/drawing/2014/main" id="{D3A7DDBB-F5CB-46CD-A15E-4CBA8B984ADE}"/>
               </a:ext>
             </a:extLst>
           </p:cNvPr>
@@ -236,7 +236,7 @@
           <p:cNvPr id="4" name="日期占位符 3">
             <a:extLst>
               <a:ext uri="{FF2B5EF4-FFF2-40B4-BE49-F238E27FC236}">
-                <a16:creationId xmlns:a16="http://schemas.microsoft.com/office/drawing/2014/main" id="{65EF7F0D-9754-4A91-4444-5D1D4029ACAC}"/>
+                <a16:creationId xmlns:a16="http://schemas.microsoft.com/office/drawing/2014/main" id="{D99BA8E7-7FB4-3370-006F-636C83E71092}"/>
               </a:ext>
             </a:extLst>
           </p:cNvPr>
@@ -252,7 +252,7 @@
           <a:bodyPr/>
           <a:lstStyle/>
           <a:p>
-            <a:fld id="{BB34DDB0-F871-41AA-8DEB-BB9E3503B757}" type="datetimeFigureOut">
+            <a:fld id="{046D6883-2F86-49B4-A61A-E7BEA0C490E8}" type="datetimeFigureOut">
               <a:rPr lang="zh-CN" altLang="en-US" smtClean="0"/>
               <a:t>2024/3/10</a:t>
             </a:fld>
@@ -265,7 +265,7 @@
           <p:cNvPr id="5" name="页脚占位符 4">
             <a:extLst>
               <a:ext uri="{FF2B5EF4-FFF2-40B4-BE49-F238E27FC236}">
-                <a16:creationId xmlns:a16="http://schemas.microsoft.com/office/drawing/2014/main" id="{30B69528-FA48-42F1-91C9-2FE7088BF1F7}"/>
+                <a16:creationId xmlns:a16="http://schemas.microsoft.com/office/drawing/2014/main" id="{0CF960EC-F35A-0A81-36AB-13863C949DDE}"/>
               </a:ext>
             </a:extLst>
           </p:cNvPr>
@@ -290,7 +290,7 @@
           <p:cNvPr id="6" name="灯片编号占位符 5">
             <a:extLst>
               <a:ext uri="{FF2B5EF4-FFF2-40B4-BE49-F238E27FC236}">
-                <a16:creationId xmlns:a16="http://schemas.microsoft.com/office/drawing/2014/main" id="{D3F1347D-7DB7-5536-E690-7C8FDAF6A513}"/>
+                <a16:creationId xmlns:a16="http://schemas.microsoft.com/office/drawing/2014/main" id="{A397065D-6889-38CB-FA2C-0DE3DB3EE49C}"/>
               </a:ext>
             </a:extLst>
           </p:cNvPr>
@@ -306,7 +306,7 @@
           <a:bodyPr/>
           <a:lstStyle/>
           <a:p>
-            <a:fld id="{E634EDD1-62FE-4F86-AD05-889776CF9231}" type="slidenum">
+            <a:fld id="{7F2B8946-9836-4715-94FD-3F7930F8D285}" type="slidenum">
               <a:rPr lang="zh-CN" altLang="en-US" smtClean="0"/>
               <a:t>‹#›</a:t>
             </a:fld>
@@ -317,7 +317,7 @@
     </p:spTree>
     <p:extLst>
       <p:ext uri="{BB962C8B-B14F-4D97-AF65-F5344CB8AC3E}">
-        <p14:creationId xmlns:p14="http://schemas.microsoft.com/office/powerpoint/2010/main" val="3400415068"/>
+        <p14:creationId xmlns:p14="http://schemas.microsoft.com/office/powerpoint/2010/main" val="1588588110"/>
       </p:ext>
     </p:extLst>
   </p:cSld>
@@ -349,7 +349,7 @@
           <p:cNvPr id="2" name="标题 1">
             <a:extLst>
               <a:ext uri="{FF2B5EF4-FFF2-40B4-BE49-F238E27FC236}">
-                <a16:creationId xmlns:a16="http://schemas.microsoft.com/office/drawing/2014/main" id="{A887ED43-96DF-1037-8392-CB498CA4E0E2}"/>
+                <a16:creationId xmlns:a16="http://schemas.microsoft.com/office/drawing/2014/main" id="{30774BE9-8175-72F6-D081-70953EA04A5E}"/>
               </a:ext>
             </a:extLst>
           </p:cNvPr>
@@ -377,7 +377,7 @@
           <p:cNvPr id="3" name="竖排文字占位符 2">
             <a:extLst>
               <a:ext uri="{FF2B5EF4-FFF2-40B4-BE49-F238E27FC236}">
-                <a16:creationId xmlns:a16="http://schemas.microsoft.com/office/drawing/2014/main" id="{FCAC8DD3-6798-DE9D-D1A4-305C292A24D5}"/>
+                <a16:creationId xmlns:a16="http://schemas.microsoft.com/office/drawing/2014/main" id="{513E5D1C-9A64-118B-9E75-2FF1DC24E235}"/>
               </a:ext>
             </a:extLst>
           </p:cNvPr>
@@ -434,7 +434,7 @@
           <p:cNvPr id="4" name="日期占位符 3">
             <a:extLst>
               <a:ext uri="{FF2B5EF4-FFF2-40B4-BE49-F238E27FC236}">
-                <a16:creationId xmlns:a16="http://schemas.microsoft.com/office/drawing/2014/main" id="{40D48E9B-BD06-4079-BE24-76D1353EA890}"/>
+                <a16:creationId xmlns:a16="http://schemas.microsoft.com/office/drawing/2014/main" id="{8A42D55B-E66C-4709-0A66-5DE326227F2F}"/>
               </a:ext>
             </a:extLst>
           </p:cNvPr>
@@ -450,7 +450,7 @@
           <a:bodyPr/>
           <a:lstStyle/>
           <a:p>
-            <a:fld id="{BB34DDB0-F871-41AA-8DEB-BB9E3503B757}" type="datetimeFigureOut">
+            <a:fld id="{046D6883-2F86-49B4-A61A-E7BEA0C490E8}" type="datetimeFigureOut">
               <a:rPr lang="zh-CN" altLang="en-US" smtClean="0"/>
               <a:t>2024/3/10</a:t>
             </a:fld>
@@ -463,7 +463,7 @@
           <p:cNvPr id="5" name="页脚占位符 4">
             <a:extLst>
               <a:ext uri="{FF2B5EF4-FFF2-40B4-BE49-F238E27FC236}">
-                <a16:creationId xmlns:a16="http://schemas.microsoft.com/office/drawing/2014/main" id="{87205344-3CC6-1B55-F6DE-3B151D004AAA}"/>
+                <a16:creationId xmlns:a16="http://schemas.microsoft.com/office/drawing/2014/main" id="{D3D2483F-0071-7E1C-6FF9-A89F2DA82A62}"/>
               </a:ext>
             </a:extLst>
           </p:cNvPr>
@@ -488,7 +488,7 @@
           <p:cNvPr id="6" name="灯片编号占位符 5">
             <a:extLst>
               <a:ext uri="{FF2B5EF4-FFF2-40B4-BE49-F238E27FC236}">
-                <a16:creationId xmlns:a16="http://schemas.microsoft.com/office/drawing/2014/main" id="{1F0486B6-3C31-531E-5269-6D54D7F529FD}"/>
+                <a16:creationId xmlns:a16="http://schemas.microsoft.com/office/drawing/2014/main" id="{5D16779B-1F04-BD90-D8FD-341BF214BB93}"/>
               </a:ext>
             </a:extLst>
           </p:cNvPr>
@@ -504,7 +504,7 @@
           <a:bodyPr/>
           <a:lstStyle/>
           <a:p>
-            <a:fld id="{E634EDD1-62FE-4F86-AD05-889776CF9231}" type="slidenum">
+            <a:fld id="{7F2B8946-9836-4715-94FD-3F7930F8D285}" type="slidenum">
               <a:rPr lang="zh-CN" altLang="en-US" smtClean="0"/>
               <a:t>‹#›</a:t>
             </a:fld>
@@ -515,7 +515,7 @@
     </p:spTree>
     <p:extLst>
       <p:ext uri="{BB962C8B-B14F-4D97-AF65-F5344CB8AC3E}">
-        <p14:creationId xmlns:p14="http://schemas.microsoft.com/office/powerpoint/2010/main" val="3462667109"/>
+        <p14:creationId xmlns:p14="http://schemas.microsoft.com/office/powerpoint/2010/main" val="2100751346"/>
       </p:ext>
     </p:extLst>
   </p:cSld>
@@ -547,7 +547,7 @@
           <p:cNvPr id="2" name="竖排标题 1">
             <a:extLst>
               <a:ext uri="{FF2B5EF4-FFF2-40B4-BE49-F238E27FC236}">
-                <a16:creationId xmlns:a16="http://schemas.microsoft.com/office/drawing/2014/main" id="{0AFC9CAA-2ADD-B0AD-00C6-82E48D8A5616}"/>
+                <a16:creationId xmlns:a16="http://schemas.microsoft.com/office/drawing/2014/main" id="{83C7C6C7-B4A5-748C-4410-D145FAD849EA}"/>
               </a:ext>
             </a:extLst>
           </p:cNvPr>
@@ -580,7 +580,7 @@
           <p:cNvPr id="3" name="竖排文字占位符 2">
             <a:extLst>
               <a:ext uri="{FF2B5EF4-FFF2-40B4-BE49-F238E27FC236}">
-                <a16:creationId xmlns:a16="http://schemas.microsoft.com/office/drawing/2014/main" id="{8D2149F2-FF9D-1CAA-FE3E-302E64E34A64}"/>
+                <a16:creationId xmlns:a16="http://schemas.microsoft.com/office/drawing/2014/main" id="{2C137C28-D24A-2F6B-AFEE-0DFDDF1B3A2B}"/>
               </a:ext>
             </a:extLst>
           </p:cNvPr>
@@ -642,7 +642,7 @@
           <p:cNvPr id="4" name="日期占位符 3">
             <a:extLst>
               <a:ext uri="{FF2B5EF4-FFF2-40B4-BE49-F238E27FC236}">
-                <a16:creationId xmlns:a16="http://schemas.microsoft.com/office/drawing/2014/main" id="{E659AA2B-01F5-00BE-2D6E-DE87B640A7C4}"/>
+                <a16:creationId xmlns:a16="http://schemas.microsoft.com/office/drawing/2014/main" id="{6081FCD6-5BCC-B1EA-885E-80FD74CA95DC}"/>
               </a:ext>
             </a:extLst>
           </p:cNvPr>
@@ -658,7 +658,7 @@
           <a:bodyPr/>
           <a:lstStyle/>
           <a:p>
-            <a:fld id="{BB34DDB0-F871-41AA-8DEB-BB9E3503B757}" type="datetimeFigureOut">
+            <a:fld id="{046D6883-2F86-49B4-A61A-E7BEA0C490E8}" type="datetimeFigureOut">
               <a:rPr lang="zh-CN" altLang="en-US" smtClean="0"/>
               <a:t>2024/3/10</a:t>
             </a:fld>
@@ -671,7 +671,7 @@
           <p:cNvPr id="5" name="页脚占位符 4">
             <a:extLst>
               <a:ext uri="{FF2B5EF4-FFF2-40B4-BE49-F238E27FC236}">
-                <a16:creationId xmlns:a16="http://schemas.microsoft.com/office/drawing/2014/main" id="{429D7C67-AF9E-A5AD-4B61-53236706AA5D}"/>
+                <a16:creationId xmlns:a16="http://schemas.microsoft.com/office/drawing/2014/main" id="{5F5D61F2-E6C9-91A2-7021-15FB9EE1946D}"/>
               </a:ext>
             </a:extLst>
           </p:cNvPr>
@@ -696,7 +696,7 @@
           <p:cNvPr id="6" name="灯片编号占位符 5">
             <a:extLst>
               <a:ext uri="{FF2B5EF4-FFF2-40B4-BE49-F238E27FC236}">
-                <a16:creationId xmlns:a16="http://schemas.microsoft.com/office/drawing/2014/main" id="{0F8722F2-F3A2-E9CA-99B9-8508D29B13D3}"/>
+                <a16:creationId xmlns:a16="http://schemas.microsoft.com/office/drawing/2014/main" id="{871EE7F6-5AF6-32F5-05E2-7A0F5D24AAA9}"/>
               </a:ext>
             </a:extLst>
           </p:cNvPr>
@@ -712,7 +712,7 @@
           <a:bodyPr/>
           <a:lstStyle/>
           <a:p>
-            <a:fld id="{E634EDD1-62FE-4F86-AD05-889776CF9231}" type="slidenum">
+            <a:fld id="{7F2B8946-9836-4715-94FD-3F7930F8D285}" type="slidenum">
               <a:rPr lang="zh-CN" altLang="en-US" smtClean="0"/>
               <a:t>‹#›</a:t>
             </a:fld>
@@ -723,7 +723,7 @@
     </p:spTree>
     <p:extLst>
       <p:ext uri="{BB962C8B-B14F-4D97-AF65-F5344CB8AC3E}">
-        <p14:creationId xmlns:p14="http://schemas.microsoft.com/office/powerpoint/2010/main" val="118635995"/>
+        <p14:creationId xmlns:p14="http://schemas.microsoft.com/office/powerpoint/2010/main" val="4167692977"/>
       </p:ext>
     </p:extLst>
   </p:cSld>
@@ -755,7 +755,7 @@
           <p:cNvPr id="2" name="标题 1">
             <a:extLst>
               <a:ext uri="{FF2B5EF4-FFF2-40B4-BE49-F238E27FC236}">
-                <a16:creationId xmlns:a16="http://schemas.microsoft.com/office/drawing/2014/main" id="{99B6EFEE-269C-F5EE-5520-0E73B9B43977}"/>
+                <a16:creationId xmlns:a16="http://schemas.microsoft.com/office/drawing/2014/main" id="{6819FC30-2A34-A33F-119E-D71FA381A405}"/>
               </a:ext>
             </a:extLst>
           </p:cNvPr>
@@ -783,7 +783,7 @@
           <p:cNvPr id="3" name="内容占位符 2">
             <a:extLst>
               <a:ext uri="{FF2B5EF4-FFF2-40B4-BE49-F238E27FC236}">
-                <a16:creationId xmlns:a16="http://schemas.microsoft.com/office/drawing/2014/main" id="{F731552D-5E20-5738-F412-E4F7FCDB31C8}"/>
+                <a16:creationId xmlns:a16="http://schemas.microsoft.com/office/drawing/2014/main" id="{450562D2-D577-1344-1431-E4BADC511727}"/>
               </a:ext>
             </a:extLst>
           </p:cNvPr>
@@ -840,7 +840,7 @@
           <p:cNvPr id="4" name="日期占位符 3">
             <a:extLst>
               <a:ext uri="{FF2B5EF4-FFF2-40B4-BE49-F238E27FC236}">
-                <a16:creationId xmlns:a16="http://schemas.microsoft.com/office/drawing/2014/main" id="{79D6E8B4-43AF-2F6D-40CB-446AF097F3D9}"/>
+                <a16:creationId xmlns:a16="http://schemas.microsoft.com/office/drawing/2014/main" id="{870C1C1E-08B1-11BC-7019-D63A6708A172}"/>
               </a:ext>
             </a:extLst>
           </p:cNvPr>
@@ -856,7 +856,7 @@
           <a:bodyPr/>
           <a:lstStyle/>
           <a:p>
-            <a:fld id="{BB34DDB0-F871-41AA-8DEB-BB9E3503B757}" type="datetimeFigureOut">
+            <a:fld id="{046D6883-2F86-49B4-A61A-E7BEA0C490E8}" type="datetimeFigureOut">
               <a:rPr lang="zh-CN" altLang="en-US" smtClean="0"/>
               <a:t>2024/3/10</a:t>
             </a:fld>
@@ -869,7 +869,7 @@
           <p:cNvPr id="5" name="页脚占位符 4">
             <a:extLst>
               <a:ext uri="{FF2B5EF4-FFF2-40B4-BE49-F238E27FC236}">
-                <a16:creationId xmlns:a16="http://schemas.microsoft.com/office/drawing/2014/main" id="{0278778D-9D56-C57E-5DC5-CC0CA22C53F7}"/>
+                <a16:creationId xmlns:a16="http://schemas.microsoft.com/office/drawing/2014/main" id="{1D3DF3A2-D950-1BDC-E7F3-8149B42F32EE}"/>
               </a:ext>
             </a:extLst>
           </p:cNvPr>
@@ -894,7 +894,7 @@
           <p:cNvPr id="6" name="灯片编号占位符 5">
             <a:extLst>
               <a:ext uri="{FF2B5EF4-FFF2-40B4-BE49-F238E27FC236}">
-                <a16:creationId xmlns:a16="http://schemas.microsoft.com/office/drawing/2014/main" id="{6268A39F-8730-78FE-9587-39AD1F4D1E18}"/>
+                <a16:creationId xmlns:a16="http://schemas.microsoft.com/office/drawing/2014/main" id="{10648165-95D2-EF7A-78C4-E2A84F50A396}"/>
               </a:ext>
             </a:extLst>
           </p:cNvPr>
@@ -910,7 +910,7 @@
           <a:bodyPr/>
           <a:lstStyle/>
           <a:p>
-            <a:fld id="{E634EDD1-62FE-4F86-AD05-889776CF9231}" type="slidenum">
+            <a:fld id="{7F2B8946-9836-4715-94FD-3F7930F8D285}" type="slidenum">
               <a:rPr lang="zh-CN" altLang="en-US" smtClean="0"/>
               <a:t>‹#›</a:t>
             </a:fld>
@@ -921,7 +921,7 @@
     </p:spTree>
     <p:extLst>
       <p:ext uri="{BB962C8B-B14F-4D97-AF65-F5344CB8AC3E}">
-        <p14:creationId xmlns:p14="http://schemas.microsoft.com/office/powerpoint/2010/main" val="3172910451"/>
+        <p14:creationId xmlns:p14="http://schemas.microsoft.com/office/powerpoint/2010/main" val="83775084"/>
       </p:ext>
     </p:extLst>
   </p:cSld>
@@ -953,7 +953,7 @@
           <p:cNvPr id="2" name="标题 1">
             <a:extLst>
               <a:ext uri="{FF2B5EF4-FFF2-40B4-BE49-F238E27FC236}">
-                <a16:creationId xmlns:a16="http://schemas.microsoft.com/office/drawing/2014/main" id="{0381F987-E71D-F36F-D8D8-B3306157998F}"/>
+                <a16:creationId xmlns:a16="http://schemas.microsoft.com/office/drawing/2014/main" id="{747E585C-F25A-F300-F5A3-1A712EE06FCA}"/>
               </a:ext>
             </a:extLst>
           </p:cNvPr>
@@ -990,7 +990,7 @@
           <p:cNvPr id="3" name="文本占位符 2">
             <a:extLst>
               <a:ext uri="{FF2B5EF4-FFF2-40B4-BE49-F238E27FC236}">
-                <a16:creationId xmlns:a16="http://schemas.microsoft.com/office/drawing/2014/main" id="{4A4FAFAC-5A22-86A6-5172-D525470B50E5}"/>
+                <a16:creationId xmlns:a16="http://schemas.microsoft.com/office/drawing/2014/main" id="{65B79019-3D65-22EB-CD1D-1BC14AC05B9D}"/>
               </a:ext>
             </a:extLst>
           </p:cNvPr>
@@ -1115,7 +1115,7 @@
           <p:cNvPr id="4" name="日期占位符 3">
             <a:extLst>
               <a:ext uri="{FF2B5EF4-FFF2-40B4-BE49-F238E27FC236}">
-                <a16:creationId xmlns:a16="http://schemas.microsoft.com/office/drawing/2014/main" id="{556A4D91-98E1-E1A1-01EE-6357DC2BD66C}"/>
+                <a16:creationId xmlns:a16="http://schemas.microsoft.com/office/drawing/2014/main" id="{C3DEFCD2-14BA-5D5F-6FD4-23217529C504}"/>
               </a:ext>
             </a:extLst>
           </p:cNvPr>
@@ -1131,7 +1131,7 @@
           <a:bodyPr/>
           <a:lstStyle/>
           <a:p>
-            <a:fld id="{BB34DDB0-F871-41AA-8DEB-BB9E3503B757}" type="datetimeFigureOut">
+            <a:fld id="{046D6883-2F86-49B4-A61A-E7BEA0C490E8}" type="datetimeFigureOut">
               <a:rPr lang="zh-CN" altLang="en-US" smtClean="0"/>
               <a:t>2024/3/10</a:t>
             </a:fld>
@@ -1144,7 +1144,7 @@
           <p:cNvPr id="5" name="页脚占位符 4">
             <a:extLst>
               <a:ext uri="{FF2B5EF4-FFF2-40B4-BE49-F238E27FC236}">
-                <a16:creationId xmlns:a16="http://schemas.microsoft.com/office/drawing/2014/main" id="{A08EBDAE-8C0D-626E-4B42-E0979ADEC424}"/>
+                <a16:creationId xmlns:a16="http://schemas.microsoft.com/office/drawing/2014/main" id="{ED8988DA-D525-64CC-A11B-0349479CA268}"/>
               </a:ext>
             </a:extLst>
           </p:cNvPr>
@@ -1169,7 +1169,7 @@
           <p:cNvPr id="6" name="灯片编号占位符 5">
             <a:extLst>
               <a:ext uri="{FF2B5EF4-FFF2-40B4-BE49-F238E27FC236}">
-                <a16:creationId xmlns:a16="http://schemas.microsoft.com/office/drawing/2014/main" id="{728C0EE1-AC3D-5116-D864-DA85EED20B6D}"/>
+                <a16:creationId xmlns:a16="http://schemas.microsoft.com/office/drawing/2014/main" id="{8E9110F5-4FB1-8888-5F74-07B3F92DA029}"/>
               </a:ext>
             </a:extLst>
           </p:cNvPr>
@@ -1185,7 +1185,7 @@
           <a:bodyPr/>
           <a:lstStyle/>
           <a:p>
-            <a:fld id="{E634EDD1-62FE-4F86-AD05-889776CF9231}" type="slidenum">
+            <a:fld id="{7F2B8946-9836-4715-94FD-3F7930F8D285}" type="slidenum">
               <a:rPr lang="zh-CN" altLang="en-US" smtClean="0"/>
               <a:t>‹#›</a:t>
             </a:fld>
@@ -1196,7 +1196,7 @@
     </p:spTree>
     <p:extLst>
       <p:ext uri="{BB962C8B-B14F-4D97-AF65-F5344CB8AC3E}">
-        <p14:creationId xmlns:p14="http://schemas.microsoft.com/office/powerpoint/2010/main" val="2723621808"/>
+        <p14:creationId xmlns:p14="http://schemas.microsoft.com/office/powerpoint/2010/main" val="1068266565"/>
       </p:ext>
     </p:extLst>
   </p:cSld>
@@ -1228,7 +1228,7 @@
           <p:cNvPr id="2" name="标题 1">
             <a:extLst>
               <a:ext uri="{FF2B5EF4-FFF2-40B4-BE49-F238E27FC236}">
-                <a16:creationId xmlns:a16="http://schemas.microsoft.com/office/drawing/2014/main" id="{900BD071-04A7-07E0-DC6F-CF30AFEC3D9F}"/>
+                <a16:creationId xmlns:a16="http://schemas.microsoft.com/office/drawing/2014/main" id="{DA748DFE-5B11-F9EA-0F0F-9A6A4EC64594}"/>
               </a:ext>
             </a:extLst>
           </p:cNvPr>
@@ -1256,7 +1256,7 @@
           <p:cNvPr id="3" name="内容占位符 2">
             <a:extLst>
               <a:ext uri="{FF2B5EF4-FFF2-40B4-BE49-F238E27FC236}">
-                <a16:creationId xmlns:a16="http://schemas.microsoft.com/office/drawing/2014/main" id="{7D54B3A7-8AF3-3CC2-3EC9-51A05A6F76D1}"/>
+                <a16:creationId xmlns:a16="http://schemas.microsoft.com/office/drawing/2014/main" id="{6330F67D-C077-C8DE-B4B4-B0FDA0FEEB23}"/>
               </a:ext>
             </a:extLst>
           </p:cNvPr>
@@ -1318,7 +1318,7 @@
           <p:cNvPr id="4" name="内容占位符 3">
             <a:extLst>
               <a:ext uri="{FF2B5EF4-FFF2-40B4-BE49-F238E27FC236}">
-                <a16:creationId xmlns:a16="http://schemas.microsoft.com/office/drawing/2014/main" id="{272A0026-D277-0C78-CCAB-D9D7ABB6E5A8}"/>
+                <a16:creationId xmlns:a16="http://schemas.microsoft.com/office/drawing/2014/main" id="{F99CAA0D-B468-C1D2-983A-6F279790A63D}"/>
               </a:ext>
             </a:extLst>
           </p:cNvPr>
@@ -1380,7 +1380,7 @@
           <p:cNvPr id="5" name="日期占位符 4">
             <a:extLst>
               <a:ext uri="{FF2B5EF4-FFF2-40B4-BE49-F238E27FC236}">
-                <a16:creationId xmlns:a16="http://schemas.microsoft.com/office/drawing/2014/main" id="{7F8306DA-D0B1-0148-F6E4-59DB25211232}"/>
+                <a16:creationId xmlns:a16="http://schemas.microsoft.com/office/drawing/2014/main" id="{6B4E4CFB-515C-5480-4A69-11CDFDE10663}"/>
               </a:ext>
             </a:extLst>
           </p:cNvPr>
@@ -1396,7 +1396,7 @@
           <a:bodyPr/>
           <a:lstStyle/>
           <a:p>
-            <a:fld id="{BB34DDB0-F871-41AA-8DEB-BB9E3503B757}" type="datetimeFigureOut">
+            <a:fld id="{046D6883-2F86-49B4-A61A-E7BEA0C490E8}" type="datetimeFigureOut">
               <a:rPr lang="zh-CN" altLang="en-US" smtClean="0"/>
               <a:t>2024/3/10</a:t>
             </a:fld>
@@ -1409,7 +1409,7 @@
           <p:cNvPr id="6" name="页脚占位符 5">
             <a:extLst>
               <a:ext uri="{FF2B5EF4-FFF2-40B4-BE49-F238E27FC236}">
-                <a16:creationId xmlns:a16="http://schemas.microsoft.com/office/drawing/2014/main" id="{29E51BD2-E177-2ABE-D73D-C1D531C2ACC6}"/>
+                <a16:creationId xmlns:a16="http://schemas.microsoft.com/office/drawing/2014/main" id="{411CA316-3544-FA4D-17A8-C6515C7A69FE}"/>
               </a:ext>
             </a:extLst>
           </p:cNvPr>
@@ -1434,7 +1434,7 @@
           <p:cNvPr id="7" name="灯片编号占位符 6">
             <a:extLst>
               <a:ext uri="{FF2B5EF4-FFF2-40B4-BE49-F238E27FC236}">
-                <a16:creationId xmlns:a16="http://schemas.microsoft.com/office/drawing/2014/main" id="{DAF391D7-492B-838D-7DB8-E65297AE8E83}"/>
+                <a16:creationId xmlns:a16="http://schemas.microsoft.com/office/drawing/2014/main" id="{CAB134CE-2F22-47B6-AD8E-0B138063C6A9}"/>
               </a:ext>
             </a:extLst>
           </p:cNvPr>
@@ -1450,7 +1450,7 @@
           <a:bodyPr/>
           <a:lstStyle/>
           <a:p>
-            <a:fld id="{E634EDD1-62FE-4F86-AD05-889776CF9231}" type="slidenum">
+            <a:fld id="{7F2B8946-9836-4715-94FD-3F7930F8D285}" type="slidenum">
               <a:rPr lang="zh-CN" altLang="en-US" smtClean="0"/>
               <a:t>‹#›</a:t>
             </a:fld>
@@ -1461,7 +1461,7 @@
     </p:spTree>
     <p:extLst>
       <p:ext uri="{BB962C8B-B14F-4D97-AF65-F5344CB8AC3E}">
-        <p14:creationId xmlns:p14="http://schemas.microsoft.com/office/powerpoint/2010/main" val="3298183440"/>
+        <p14:creationId xmlns:p14="http://schemas.microsoft.com/office/powerpoint/2010/main" val="4233521161"/>
       </p:ext>
     </p:extLst>
   </p:cSld>
@@ -1493,7 +1493,7 @@
           <p:cNvPr id="2" name="标题 1">
             <a:extLst>
               <a:ext uri="{FF2B5EF4-FFF2-40B4-BE49-F238E27FC236}">
-                <a16:creationId xmlns:a16="http://schemas.microsoft.com/office/drawing/2014/main" id="{C5EFBD1A-B859-F2B9-C839-292E20708FB9}"/>
+                <a16:creationId xmlns:a16="http://schemas.microsoft.com/office/drawing/2014/main" id="{B385C277-2F31-FED8-060B-4321966A3D9F}"/>
               </a:ext>
             </a:extLst>
           </p:cNvPr>
@@ -1526,7 +1526,7 @@
           <p:cNvPr id="3" name="文本占位符 2">
             <a:extLst>
               <a:ext uri="{FF2B5EF4-FFF2-40B4-BE49-F238E27FC236}">
-                <a16:creationId xmlns:a16="http://schemas.microsoft.com/office/drawing/2014/main" id="{C3F416EB-CBA9-190F-2E17-A08F9F19EB59}"/>
+                <a16:creationId xmlns:a16="http://schemas.microsoft.com/office/drawing/2014/main" id="{D47A503D-F693-9D29-E3EB-94822B28B940}"/>
               </a:ext>
             </a:extLst>
           </p:cNvPr>
@@ -1597,7 +1597,7 @@
           <p:cNvPr id="4" name="内容占位符 3">
             <a:extLst>
               <a:ext uri="{FF2B5EF4-FFF2-40B4-BE49-F238E27FC236}">
-                <a16:creationId xmlns:a16="http://schemas.microsoft.com/office/drawing/2014/main" id="{6FF567B6-AE43-72BB-36E5-DD12D8044450}"/>
+                <a16:creationId xmlns:a16="http://schemas.microsoft.com/office/drawing/2014/main" id="{22090BF6-E56E-8CC2-00EC-5F63E52CAB7C}"/>
               </a:ext>
             </a:extLst>
           </p:cNvPr>
@@ -1659,7 +1659,7 @@
           <p:cNvPr id="5" name="文本占位符 4">
             <a:extLst>
               <a:ext uri="{FF2B5EF4-FFF2-40B4-BE49-F238E27FC236}">
-                <a16:creationId xmlns:a16="http://schemas.microsoft.com/office/drawing/2014/main" id="{DBE0A626-CE13-A83A-DBC9-E1DF07201D08}"/>
+                <a16:creationId xmlns:a16="http://schemas.microsoft.com/office/drawing/2014/main" id="{3A816318-99A7-074E-0E4B-4A1A45C3CFB0}"/>
               </a:ext>
             </a:extLst>
           </p:cNvPr>
@@ -1730,7 +1730,7 @@
           <p:cNvPr id="6" name="内容占位符 5">
             <a:extLst>
               <a:ext uri="{FF2B5EF4-FFF2-40B4-BE49-F238E27FC236}">
-                <a16:creationId xmlns:a16="http://schemas.microsoft.com/office/drawing/2014/main" id="{F68F46A4-DC5F-47BC-97E3-C241A2DCE5D9}"/>
+                <a16:creationId xmlns:a16="http://schemas.microsoft.com/office/drawing/2014/main" id="{6E16C734-4357-E749-E45A-919DD864B627}"/>
               </a:ext>
             </a:extLst>
           </p:cNvPr>
@@ -1792,7 +1792,7 @@
           <p:cNvPr id="7" name="日期占位符 6">
             <a:extLst>
               <a:ext uri="{FF2B5EF4-FFF2-40B4-BE49-F238E27FC236}">
-                <a16:creationId xmlns:a16="http://schemas.microsoft.com/office/drawing/2014/main" id="{78DC8C43-2685-B8FB-E88F-AFDAA3862EF2}"/>
+                <a16:creationId xmlns:a16="http://schemas.microsoft.com/office/drawing/2014/main" id="{9633DF65-7462-4516-3749-9B6BE1E60BE6}"/>
               </a:ext>
             </a:extLst>
           </p:cNvPr>
@@ -1808,7 +1808,7 @@
           <a:bodyPr/>
           <a:lstStyle/>
           <a:p>
-            <a:fld id="{BB34DDB0-F871-41AA-8DEB-BB9E3503B757}" type="datetimeFigureOut">
+            <a:fld id="{046D6883-2F86-49B4-A61A-E7BEA0C490E8}" type="datetimeFigureOut">
               <a:rPr lang="zh-CN" altLang="en-US" smtClean="0"/>
               <a:t>2024/3/10</a:t>
             </a:fld>
@@ -1821,7 +1821,7 @@
           <p:cNvPr id="8" name="页脚占位符 7">
             <a:extLst>
               <a:ext uri="{FF2B5EF4-FFF2-40B4-BE49-F238E27FC236}">
-                <a16:creationId xmlns:a16="http://schemas.microsoft.com/office/drawing/2014/main" id="{DA36ED79-1F0E-216B-505E-7382EA01FB39}"/>
+                <a16:creationId xmlns:a16="http://schemas.microsoft.com/office/drawing/2014/main" id="{34F83C7F-146F-D313-20FF-6C2A95A6C66B}"/>
               </a:ext>
             </a:extLst>
           </p:cNvPr>
@@ -1846,7 +1846,7 @@
           <p:cNvPr id="9" name="灯片编号占位符 8">
             <a:extLst>
               <a:ext uri="{FF2B5EF4-FFF2-40B4-BE49-F238E27FC236}">
-                <a16:creationId xmlns:a16="http://schemas.microsoft.com/office/drawing/2014/main" id="{8C0E83C7-5340-3DBC-6046-13B781DFAE7D}"/>
+                <a16:creationId xmlns:a16="http://schemas.microsoft.com/office/drawing/2014/main" id="{2DC99F62-44B0-9AA8-7245-0936C2EA41D3}"/>
               </a:ext>
             </a:extLst>
           </p:cNvPr>
@@ -1862,7 +1862,7 @@
           <a:bodyPr/>
           <a:lstStyle/>
           <a:p>
-            <a:fld id="{E634EDD1-62FE-4F86-AD05-889776CF9231}" type="slidenum">
+            <a:fld id="{7F2B8946-9836-4715-94FD-3F7930F8D285}" type="slidenum">
               <a:rPr lang="zh-CN" altLang="en-US" smtClean="0"/>
               <a:t>‹#›</a:t>
             </a:fld>
@@ -1873,7 +1873,7 @@
     </p:spTree>
     <p:extLst>
       <p:ext uri="{BB962C8B-B14F-4D97-AF65-F5344CB8AC3E}">
-        <p14:creationId xmlns:p14="http://schemas.microsoft.com/office/powerpoint/2010/main" val="1627211522"/>
+        <p14:creationId xmlns:p14="http://schemas.microsoft.com/office/powerpoint/2010/main" val="25487370"/>
       </p:ext>
     </p:extLst>
   </p:cSld>
@@ -1905,7 +1905,7 @@
           <p:cNvPr id="2" name="标题 1">
             <a:extLst>
               <a:ext uri="{FF2B5EF4-FFF2-40B4-BE49-F238E27FC236}">
-                <a16:creationId xmlns:a16="http://schemas.microsoft.com/office/drawing/2014/main" id="{35EB09CF-8447-ACB5-DA50-5069DB642589}"/>
+                <a16:creationId xmlns:a16="http://schemas.microsoft.com/office/drawing/2014/main" id="{4A75B1F4-B70F-6DBE-E7DE-A03BB405F2BD}"/>
               </a:ext>
             </a:extLst>
           </p:cNvPr>
@@ -1933,7 +1933,7 @@
           <p:cNvPr id="3" name="日期占位符 2">
             <a:extLst>
               <a:ext uri="{FF2B5EF4-FFF2-40B4-BE49-F238E27FC236}">
-                <a16:creationId xmlns:a16="http://schemas.microsoft.com/office/drawing/2014/main" id="{6E0A480E-CEFB-533B-EC0D-EA88C1A9730B}"/>
+                <a16:creationId xmlns:a16="http://schemas.microsoft.com/office/drawing/2014/main" id="{3317B6B9-4288-8043-4FA5-CBB64B58635C}"/>
               </a:ext>
             </a:extLst>
           </p:cNvPr>
@@ -1949,7 +1949,7 @@
           <a:bodyPr/>
           <a:lstStyle/>
           <a:p>
-            <a:fld id="{BB34DDB0-F871-41AA-8DEB-BB9E3503B757}" type="datetimeFigureOut">
+            <a:fld id="{046D6883-2F86-49B4-A61A-E7BEA0C490E8}" type="datetimeFigureOut">
               <a:rPr lang="zh-CN" altLang="en-US" smtClean="0"/>
               <a:t>2024/3/10</a:t>
             </a:fld>
@@ -1962,7 +1962,7 @@
           <p:cNvPr id="4" name="页脚占位符 3">
             <a:extLst>
               <a:ext uri="{FF2B5EF4-FFF2-40B4-BE49-F238E27FC236}">
-                <a16:creationId xmlns:a16="http://schemas.microsoft.com/office/drawing/2014/main" id="{C11AACE4-3164-3EB2-B1A7-3D49BECD382E}"/>
+                <a16:creationId xmlns:a16="http://schemas.microsoft.com/office/drawing/2014/main" id="{38EC4C9F-B021-3F36-4104-62AA41B0F022}"/>
               </a:ext>
             </a:extLst>
           </p:cNvPr>
@@ -1987,7 +1987,7 @@
           <p:cNvPr id="5" name="灯片编号占位符 4">
             <a:extLst>
               <a:ext uri="{FF2B5EF4-FFF2-40B4-BE49-F238E27FC236}">
-                <a16:creationId xmlns:a16="http://schemas.microsoft.com/office/drawing/2014/main" id="{D32DD425-4EF1-590B-D6EB-B66897798B38}"/>
+                <a16:creationId xmlns:a16="http://schemas.microsoft.com/office/drawing/2014/main" id="{45A8ACB4-9EA9-DD57-163B-5F2C5F4F8AF5}"/>
               </a:ext>
             </a:extLst>
           </p:cNvPr>
@@ -2003,7 +2003,7 @@
           <a:bodyPr/>
           <a:lstStyle/>
           <a:p>
-            <a:fld id="{E634EDD1-62FE-4F86-AD05-889776CF9231}" type="slidenum">
+            <a:fld id="{7F2B8946-9836-4715-94FD-3F7930F8D285}" type="slidenum">
               <a:rPr lang="zh-CN" altLang="en-US" smtClean="0"/>
               <a:t>‹#›</a:t>
             </a:fld>
@@ -2014,7 +2014,7 @@
     </p:spTree>
     <p:extLst>
       <p:ext uri="{BB962C8B-B14F-4D97-AF65-F5344CB8AC3E}">
-        <p14:creationId xmlns:p14="http://schemas.microsoft.com/office/powerpoint/2010/main" val="4058686107"/>
+        <p14:creationId xmlns:p14="http://schemas.microsoft.com/office/powerpoint/2010/main" val="3501625560"/>
       </p:ext>
     </p:extLst>
   </p:cSld>
@@ -2046,7 +2046,7 @@
           <p:cNvPr id="2" name="日期占位符 1">
             <a:extLst>
               <a:ext uri="{FF2B5EF4-FFF2-40B4-BE49-F238E27FC236}">
-                <a16:creationId xmlns:a16="http://schemas.microsoft.com/office/drawing/2014/main" id="{F08B75C5-2054-3517-25E1-6E8E26FB728E}"/>
+                <a16:creationId xmlns:a16="http://schemas.microsoft.com/office/drawing/2014/main" id="{734034E4-C23A-24B5-CA72-255017D31A1D}"/>
               </a:ext>
             </a:extLst>
           </p:cNvPr>
@@ -2062,7 +2062,7 @@
           <a:bodyPr/>
           <a:lstStyle/>
           <a:p>
-            <a:fld id="{BB34DDB0-F871-41AA-8DEB-BB9E3503B757}" type="datetimeFigureOut">
+            <a:fld id="{046D6883-2F86-49B4-A61A-E7BEA0C490E8}" type="datetimeFigureOut">
               <a:rPr lang="zh-CN" altLang="en-US" smtClean="0"/>
               <a:t>2024/3/10</a:t>
             </a:fld>
@@ -2075,7 +2075,7 @@
           <p:cNvPr id="3" name="页脚占位符 2">
             <a:extLst>
               <a:ext uri="{FF2B5EF4-FFF2-40B4-BE49-F238E27FC236}">
-                <a16:creationId xmlns:a16="http://schemas.microsoft.com/office/drawing/2014/main" id="{A4F12047-A380-8ABC-44BA-25040921B733}"/>
+                <a16:creationId xmlns:a16="http://schemas.microsoft.com/office/drawing/2014/main" id="{5A5E799D-D336-0220-7E59-5BD1FF9F192E}"/>
               </a:ext>
             </a:extLst>
           </p:cNvPr>
@@ -2100,7 +2100,7 @@
           <p:cNvPr id="4" name="灯片编号占位符 3">
             <a:extLst>
               <a:ext uri="{FF2B5EF4-FFF2-40B4-BE49-F238E27FC236}">
-                <a16:creationId xmlns:a16="http://schemas.microsoft.com/office/drawing/2014/main" id="{48A8DD89-B887-0413-3C0C-A9054582FDFE}"/>
+                <a16:creationId xmlns:a16="http://schemas.microsoft.com/office/drawing/2014/main" id="{FC09350A-2D99-8D63-6484-89A02A02719A}"/>
               </a:ext>
             </a:extLst>
           </p:cNvPr>
@@ -2116,7 +2116,7 @@
           <a:bodyPr/>
           <a:lstStyle/>
           <a:p>
-            <a:fld id="{E634EDD1-62FE-4F86-AD05-889776CF9231}" type="slidenum">
+            <a:fld id="{7F2B8946-9836-4715-94FD-3F7930F8D285}" type="slidenum">
               <a:rPr lang="zh-CN" altLang="en-US" smtClean="0"/>
               <a:t>‹#›</a:t>
             </a:fld>
@@ -2127,7 +2127,7 @@
     </p:spTree>
     <p:extLst>
       <p:ext uri="{BB962C8B-B14F-4D97-AF65-F5344CB8AC3E}">
-        <p14:creationId xmlns:p14="http://schemas.microsoft.com/office/powerpoint/2010/main" val="1520130215"/>
+        <p14:creationId xmlns:p14="http://schemas.microsoft.com/office/powerpoint/2010/main" val="4137732410"/>
       </p:ext>
     </p:extLst>
   </p:cSld>
@@ -2159,7 +2159,7 @@
           <p:cNvPr id="2" name="标题 1">
             <a:extLst>
               <a:ext uri="{FF2B5EF4-FFF2-40B4-BE49-F238E27FC236}">
-                <a16:creationId xmlns:a16="http://schemas.microsoft.com/office/drawing/2014/main" id="{0B1E13A0-ACA9-CB04-99EB-6EE0414D3C4F}"/>
+                <a16:creationId xmlns:a16="http://schemas.microsoft.com/office/drawing/2014/main" id="{E1A11252-1F08-5D3D-3E66-49E8CFDAE808}"/>
               </a:ext>
             </a:extLst>
           </p:cNvPr>
@@ -2196,7 +2196,7 @@
           <p:cNvPr id="3" name="内容占位符 2">
             <a:extLst>
               <a:ext uri="{FF2B5EF4-FFF2-40B4-BE49-F238E27FC236}">
-                <a16:creationId xmlns:a16="http://schemas.microsoft.com/office/drawing/2014/main" id="{081742C0-AE6E-12E1-9E27-3DD33B416A72}"/>
+                <a16:creationId xmlns:a16="http://schemas.microsoft.com/office/drawing/2014/main" id="{01874901-7348-8582-4EC7-00B0FD72478A}"/>
               </a:ext>
             </a:extLst>
           </p:cNvPr>
@@ -2286,7 +2286,7 @@
           <p:cNvPr id="4" name="文本占位符 3">
             <a:extLst>
               <a:ext uri="{FF2B5EF4-FFF2-40B4-BE49-F238E27FC236}">
-                <a16:creationId xmlns:a16="http://schemas.microsoft.com/office/drawing/2014/main" id="{6BBEA20C-BA34-DDB5-D3E8-133317B54783}"/>
+                <a16:creationId xmlns:a16="http://schemas.microsoft.com/office/drawing/2014/main" id="{2DBC25FC-D3DA-6CAD-5C82-198789F74D3F}"/>
               </a:ext>
             </a:extLst>
           </p:cNvPr>
@@ -2357,7 +2357,7 @@
           <p:cNvPr id="5" name="日期占位符 4">
             <a:extLst>
               <a:ext uri="{FF2B5EF4-FFF2-40B4-BE49-F238E27FC236}">
-                <a16:creationId xmlns:a16="http://schemas.microsoft.com/office/drawing/2014/main" id="{66BF9962-9BCE-EB2C-DD5D-88031DD5165F}"/>
+                <a16:creationId xmlns:a16="http://schemas.microsoft.com/office/drawing/2014/main" id="{ED0FADA1-3A9E-CCA5-19A1-759B2F609109}"/>
               </a:ext>
             </a:extLst>
           </p:cNvPr>
@@ -2373,7 +2373,7 @@
           <a:bodyPr/>
           <a:lstStyle/>
           <a:p>
-            <a:fld id="{BB34DDB0-F871-41AA-8DEB-BB9E3503B757}" type="datetimeFigureOut">
+            <a:fld id="{046D6883-2F86-49B4-A61A-E7BEA0C490E8}" type="datetimeFigureOut">
               <a:rPr lang="zh-CN" altLang="en-US" smtClean="0"/>
               <a:t>2024/3/10</a:t>
             </a:fld>
@@ -2386,7 +2386,7 @@
           <p:cNvPr id="6" name="页脚占位符 5">
             <a:extLst>
               <a:ext uri="{FF2B5EF4-FFF2-40B4-BE49-F238E27FC236}">
-                <a16:creationId xmlns:a16="http://schemas.microsoft.com/office/drawing/2014/main" id="{0976D149-21BE-2F7A-6BF9-2EE73D27A418}"/>
+                <a16:creationId xmlns:a16="http://schemas.microsoft.com/office/drawing/2014/main" id="{305D0DE0-B0BC-B0BD-5F6D-D9A16F66A816}"/>
               </a:ext>
             </a:extLst>
           </p:cNvPr>
@@ -2411,7 +2411,7 @@
           <p:cNvPr id="7" name="灯片编号占位符 6">
             <a:extLst>
               <a:ext uri="{FF2B5EF4-FFF2-40B4-BE49-F238E27FC236}">
-                <a16:creationId xmlns:a16="http://schemas.microsoft.com/office/drawing/2014/main" id="{424E3B69-448C-78FC-3AD9-ABE26F24FB4E}"/>
+                <a16:creationId xmlns:a16="http://schemas.microsoft.com/office/drawing/2014/main" id="{058BBA7E-067C-6D7C-2281-E1C1112EA976}"/>
               </a:ext>
             </a:extLst>
           </p:cNvPr>
@@ -2427,7 +2427,7 @@
           <a:bodyPr/>
           <a:lstStyle/>
           <a:p>
-            <a:fld id="{E634EDD1-62FE-4F86-AD05-889776CF9231}" type="slidenum">
+            <a:fld id="{7F2B8946-9836-4715-94FD-3F7930F8D285}" type="slidenum">
               <a:rPr lang="zh-CN" altLang="en-US" smtClean="0"/>
               <a:t>‹#›</a:t>
             </a:fld>
@@ -2438,7 +2438,7 @@
     </p:spTree>
     <p:extLst>
       <p:ext uri="{BB962C8B-B14F-4D97-AF65-F5344CB8AC3E}">
-        <p14:creationId xmlns:p14="http://schemas.microsoft.com/office/powerpoint/2010/main" val="2799348964"/>
+        <p14:creationId xmlns:p14="http://schemas.microsoft.com/office/powerpoint/2010/main" val="1862663882"/>
       </p:ext>
     </p:extLst>
   </p:cSld>
@@ -2470,7 +2470,7 @@
           <p:cNvPr id="2" name="标题 1">
             <a:extLst>
               <a:ext uri="{FF2B5EF4-FFF2-40B4-BE49-F238E27FC236}">
-                <a16:creationId xmlns:a16="http://schemas.microsoft.com/office/drawing/2014/main" id="{A834AB5C-7FFA-529E-B129-200F396D0D30}"/>
+                <a16:creationId xmlns:a16="http://schemas.microsoft.com/office/drawing/2014/main" id="{A160FBCA-5C6C-8B31-74D3-8B15EA55E5B6}"/>
               </a:ext>
             </a:extLst>
           </p:cNvPr>
@@ -2507,7 +2507,7 @@
           <p:cNvPr id="3" name="图片占位符 2">
             <a:extLst>
               <a:ext uri="{FF2B5EF4-FFF2-40B4-BE49-F238E27FC236}">
-                <a16:creationId xmlns:a16="http://schemas.microsoft.com/office/drawing/2014/main" id="{BA4F5691-B1FB-C6EF-8C5A-891B583D21AC}"/>
+                <a16:creationId xmlns:a16="http://schemas.microsoft.com/office/drawing/2014/main" id="{73263AC1-9FD2-8F0F-0006-5443B0975C7D}"/>
               </a:ext>
             </a:extLst>
           </p:cNvPr>
@@ -2574,7 +2574,7 @@
           <p:cNvPr id="4" name="文本占位符 3">
             <a:extLst>
               <a:ext uri="{FF2B5EF4-FFF2-40B4-BE49-F238E27FC236}">
-                <a16:creationId xmlns:a16="http://schemas.microsoft.com/office/drawing/2014/main" id="{41D029B8-D3D4-7014-3FE5-4DAD29496FD3}"/>
+                <a16:creationId xmlns:a16="http://schemas.microsoft.com/office/drawing/2014/main" id="{422DFF1C-4951-777B-8B92-DCE05F8DAACF}"/>
               </a:ext>
             </a:extLst>
           </p:cNvPr>
@@ -2645,7 +2645,7 @@
           <p:cNvPr id="5" name="日期占位符 4">
             <a:extLst>
               <a:ext uri="{FF2B5EF4-FFF2-40B4-BE49-F238E27FC236}">
-                <a16:creationId xmlns:a16="http://schemas.microsoft.com/office/drawing/2014/main" id="{BE7915D6-552C-5004-9354-6072B2DBCBDD}"/>
+                <a16:creationId xmlns:a16="http://schemas.microsoft.com/office/drawing/2014/main" id="{06951274-E8D5-81FA-3B7D-EE87F541FC85}"/>
               </a:ext>
             </a:extLst>
           </p:cNvPr>
@@ -2661,7 +2661,7 @@
           <a:bodyPr/>
           <a:lstStyle/>
           <a:p>
-            <a:fld id="{BB34DDB0-F871-41AA-8DEB-BB9E3503B757}" type="datetimeFigureOut">
+            <a:fld id="{046D6883-2F86-49B4-A61A-E7BEA0C490E8}" type="datetimeFigureOut">
               <a:rPr lang="zh-CN" altLang="en-US" smtClean="0"/>
               <a:t>2024/3/10</a:t>
             </a:fld>
@@ -2674,7 +2674,7 @@
           <p:cNvPr id="6" name="页脚占位符 5">
             <a:extLst>
               <a:ext uri="{FF2B5EF4-FFF2-40B4-BE49-F238E27FC236}">
-                <a16:creationId xmlns:a16="http://schemas.microsoft.com/office/drawing/2014/main" id="{C14912C2-BE43-CA3C-1209-277F88D439DC}"/>
+                <a16:creationId xmlns:a16="http://schemas.microsoft.com/office/drawing/2014/main" id="{2E0A76F5-3DA3-243E-6A73-68BF1BF5A909}"/>
               </a:ext>
             </a:extLst>
           </p:cNvPr>
@@ -2699,7 +2699,7 @@
           <p:cNvPr id="7" name="灯片编号占位符 6">
             <a:extLst>
               <a:ext uri="{FF2B5EF4-FFF2-40B4-BE49-F238E27FC236}">
-                <a16:creationId xmlns:a16="http://schemas.microsoft.com/office/drawing/2014/main" id="{C0838098-CB02-EE39-39F3-DE581238630B}"/>
+                <a16:creationId xmlns:a16="http://schemas.microsoft.com/office/drawing/2014/main" id="{F0405A53-5D99-5825-9FA4-97D1214842C8}"/>
               </a:ext>
             </a:extLst>
           </p:cNvPr>
@@ -2715,7 +2715,7 @@
           <a:bodyPr/>
           <a:lstStyle/>
           <a:p>
-            <a:fld id="{E634EDD1-62FE-4F86-AD05-889776CF9231}" type="slidenum">
+            <a:fld id="{7F2B8946-9836-4715-94FD-3F7930F8D285}" type="slidenum">
               <a:rPr lang="zh-CN" altLang="en-US" smtClean="0"/>
               <a:t>‹#›</a:t>
             </a:fld>
@@ -2726,7 +2726,7 @@
     </p:spTree>
     <p:extLst>
       <p:ext uri="{BB962C8B-B14F-4D97-AF65-F5344CB8AC3E}">
-        <p14:creationId xmlns:p14="http://schemas.microsoft.com/office/powerpoint/2010/main" val="2292580133"/>
+        <p14:creationId xmlns:p14="http://schemas.microsoft.com/office/powerpoint/2010/main" val="3178880699"/>
       </p:ext>
     </p:extLst>
   </p:cSld>
@@ -2763,7 +2763,7 @@
           <p:cNvPr id="2" name="标题占位符 1">
             <a:extLst>
               <a:ext uri="{FF2B5EF4-FFF2-40B4-BE49-F238E27FC236}">
-                <a16:creationId xmlns:a16="http://schemas.microsoft.com/office/drawing/2014/main" id="{4C7B2271-A4FA-C058-AB78-E214925CF1C1}"/>
+                <a16:creationId xmlns:a16="http://schemas.microsoft.com/office/drawing/2014/main" id="{4EF7C2EC-721D-417C-BF7E-5D93C04897B5}"/>
               </a:ext>
             </a:extLst>
           </p:cNvPr>
@@ -2801,7 +2801,7 @@
           <p:cNvPr id="3" name="文本占位符 2">
             <a:extLst>
               <a:ext uri="{FF2B5EF4-FFF2-40B4-BE49-F238E27FC236}">
-                <a16:creationId xmlns:a16="http://schemas.microsoft.com/office/drawing/2014/main" id="{CEF5A157-894A-8E5B-6321-E180E08AA6F4}"/>
+                <a16:creationId xmlns:a16="http://schemas.microsoft.com/office/drawing/2014/main" id="{CF92BC54-48C1-730A-489B-B97A18DD83F0}"/>
               </a:ext>
             </a:extLst>
           </p:cNvPr>
@@ -2868,7 +2868,7 @@
           <p:cNvPr id="4" name="日期占位符 3">
             <a:extLst>
               <a:ext uri="{FF2B5EF4-FFF2-40B4-BE49-F238E27FC236}">
-                <a16:creationId xmlns:a16="http://schemas.microsoft.com/office/drawing/2014/main" id="{75FA7883-0748-30E3-1863-0E4FC87E37A3}"/>
+                <a16:creationId xmlns:a16="http://schemas.microsoft.com/office/drawing/2014/main" id="{FFC0F297-10F1-17BD-8B7D-A72C039D12EF}"/>
               </a:ext>
             </a:extLst>
           </p:cNvPr>
@@ -2902,7 +2902,7 @@
             </a:lvl1pPr>
           </a:lstStyle>
           <a:p>
-            <a:fld id="{BB34DDB0-F871-41AA-8DEB-BB9E3503B757}" type="datetimeFigureOut">
+            <a:fld id="{046D6883-2F86-49B4-A61A-E7BEA0C490E8}" type="datetimeFigureOut">
               <a:rPr lang="zh-CN" altLang="en-US" smtClean="0"/>
               <a:t>2024/3/10</a:t>
             </a:fld>
@@ -2915,7 +2915,7 @@
           <p:cNvPr id="5" name="页脚占位符 4">
             <a:extLst>
               <a:ext uri="{FF2B5EF4-FFF2-40B4-BE49-F238E27FC236}">
-                <a16:creationId xmlns:a16="http://schemas.microsoft.com/office/drawing/2014/main" id="{17AFE28F-F575-B059-7049-63A0894C4CED}"/>
+                <a16:creationId xmlns:a16="http://schemas.microsoft.com/office/drawing/2014/main" id="{607B7072-2241-8C57-EAD2-F7A936C36EF4}"/>
               </a:ext>
             </a:extLst>
           </p:cNvPr>
@@ -2958,7 +2958,7 @@
           <p:cNvPr id="6" name="灯片编号占位符 5">
             <a:extLst>
               <a:ext uri="{FF2B5EF4-FFF2-40B4-BE49-F238E27FC236}">
-                <a16:creationId xmlns:a16="http://schemas.microsoft.com/office/drawing/2014/main" id="{C69C30DE-B1E8-A0CD-AC36-320FCB33F27A}"/>
+                <a16:creationId xmlns:a16="http://schemas.microsoft.com/office/drawing/2014/main" id="{6533F29D-F511-DAE5-FD66-C0AC35B05C29}"/>
               </a:ext>
             </a:extLst>
           </p:cNvPr>
@@ -2992,7 +2992,7 @@
             </a:lvl1pPr>
           </a:lstStyle>
           <a:p>
-            <a:fld id="{E634EDD1-62FE-4F86-AD05-889776CF9231}" type="slidenum">
+            <a:fld id="{7F2B8946-9836-4715-94FD-3F7930F8D285}" type="slidenum">
               <a:rPr lang="zh-CN" altLang="en-US" smtClean="0"/>
               <a:t>‹#›</a:t>
             </a:fld>
@@ -3003,7 +3003,7 @@
     </p:spTree>
     <p:extLst>
       <p:ext uri="{BB962C8B-B14F-4D97-AF65-F5344CB8AC3E}">
-        <p14:creationId xmlns:p14="http://schemas.microsoft.com/office/powerpoint/2010/main" val="2410222904"/>
+        <p14:creationId xmlns:p14="http://schemas.microsoft.com/office/powerpoint/2010/main" val="739565774"/>
       </p:ext>
     </p:extLst>
   </p:cSld>
@@ -3323,7 +3323,7 @@
       </p:grpSpPr>
       <p:pic>
         <p:nvPicPr>
-          <p:cNvPr id="765954" name="Picture 2" descr="747"/>
+          <p:cNvPr id="766978" name="Picture 2" descr="748"/>
           <p:cNvPicPr>
             <a:picLocks noChangeAspect="1" noChangeArrowheads="1"/>
           </p:cNvPicPr>
@@ -3375,158 +3375,11 @@
           </a:extLst>
         </p:spPr>
       </p:pic>
-      <p:pic>
-        <p:nvPicPr>
-          <p:cNvPr id="766979" name="Picture 3" descr="747-2"/>
-          <p:cNvPicPr>
-            <a:picLocks noChangeAspect="1" noChangeArrowheads="1"/>
-          </p:cNvPicPr>
-          <p:nvPr/>
-        </p:nvPicPr>
-        <p:blipFill>
-          <a:blip r:embed="rId3">
-            <a:extLst>
-              <a:ext uri="{28A0092B-C50C-407E-A947-70E740481C1C}">
-                <a14:useLocalDpi xmlns:a14="http://schemas.microsoft.com/office/drawing/2010/main" val="0"/>
-              </a:ext>
-            </a:extLst>
-          </a:blip>
-          <a:srcRect/>
-          <a:stretch>
-            <a:fillRect/>
-          </a:stretch>
-        </p:blipFill>
-        <p:spPr bwMode="auto">
-          <a:xfrm>
-            <a:off x="1501776" y="0"/>
-            <a:ext cx="9129713" cy="6858000"/>
-          </a:xfrm>
-          <a:prstGeom prst="rect">
-            <a:avLst/>
-          </a:prstGeom>
-          <a:noFill/>
-          <a:ln>
-            <a:noFill/>
-          </a:ln>
-          <a:effectLst/>
-          <a:extLst>
-            <a:ext uri="{909E8E84-426E-40DD-AFC4-6F175D3DCCD1}">
-              <a14:hiddenFill xmlns:a14="http://schemas.microsoft.com/office/drawing/2010/main">
-                <a:solidFill>
-                  <a:srgbClr val="FFFFFF"/>
-                </a:solidFill>
-              </a14:hiddenFill>
-            </a:ext>
-            <a:ext uri="{91240B29-F687-4F45-9708-019B960494DF}">
-              <a14:hiddenLine xmlns:a14="http://schemas.microsoft.com/office/drawing/2010/main" w="9525">
-                <a:solidFill>
-                  <a:srgbClr val="000000"/>
-                </a:solidFill>
-                <a:miter lim="800000"/>
-                <a:headEnd/>
-                <a:tailEnd/>
-              </a14:hiddenLine>
-            </a:ext>
-            <a:ext uri="{AF507438-7753-43E0-B8FC-AC1667EBCBE1}">
-              <a14:hiddenEffects xmlns:a14="http://schemas.microsoft.com/office/drawing/2010/main">
-                <a:effectLst>
-                  <a:outerShdw dist="35921" dir="2700000" algn="ctr" rotWithShape="0">
-                    <a:srgbClr val="808080"/>
-                  </a:outerShdw>
-                </a:effectLst>
-              </a14:hiddenEffects>
-            </a:ext>
-          </a:extLst>
-        </p:spPr>
-      </p:pic>
     </p:spTree>
   </p:cSld>
   <p:clrMapOvr>
     <a:masterClrMapping/>
   </p:clrMapOvr>
-  <p:timing>
-    <p:tnLst>
-      <p:par>
-        <p:cTn id="1" dur="indefinite" restart="never" nodeType="tmRoot">
-          <p:childTnLst>
-            <p:seq concurrent="1" nextAc="seek">
-              <p:cTn id="2" dur="indefinite" nodeType="mainSeq">
-                <p:childTnLst>
-                  <p:par>
-                    <p:cTn id="3" fill="hold" nodeType="clickPar">
-                      <p:stCondLst>
-                        <p:cond delay="indefinite"/>
-                      </p:stCondLst>
-                      <p:childTnLst>
-                        <p:par>
-                          <p:cTn id="4" fill="hold" nodeType="withGroup">
-                            <p:stCondLst>
-                              <p:cond delay="0"/>
-                            </p:stCondLst>
-                            <p:childTnLst>
-                              <p:par>
-                                <p:cTn id="5" presetID="10" presetClass="entr" presetSubtype="0" fill="hold" nodeType="clickEffect">
-                                  <p:stCondLst>
-                                    <p:cond delay="0"/>
-                                  </p:stCondLst>
-                                  <p:childTnLst>
-                                    <p:set>
-                                      <p:cBhvr>
-                                        <p:cTn id="6" dur="1" fill="hold">
-                                          <p:stCondLst>
-                                            <p:cond delay="0"/>
-                                          </p:stCondLst>
-                                        </p:cTn>
-                                        <p:tgtEl>
-                                          <p:spTgt spid="766979"/>
-                                        </p:tgtEl>
-                                        <p:attrNameLst>
-                                          <p:attrName>style.visibility</p:attrName>
-                                        </p:attrNameLst>
-                                      </p:cBhvr>
-                                      <p:to>
-                                        <p:strVal val="visible"/>
-                                      </p:to>
-                                    </p:set>
-                                    <p:animEffect transition="in" filter="fade">
-                                      <p:cBhvr>
-                                        <p:cTn id="7" dur="500"/>
-                                        <p:tgtEl>
-                                          <p:spTgt spid="766979"/>
-                                        </p:tgtEl>
-                                      </p:cBhvr>
-                                    </p:animEffect>
-                                  </p:childTnLst>
-                                </p:cTn>
-                              </p:par>
-                            </p:childTnLst>
-                          </p:cTn>
-                        </p:par>
-                      </p:childTnLst>
-                    </p:cTn>
-                  </p:par>
-                </p:childTnLst>
-              </p:cTn>
-              <p:prevCondLst>
-                <p:cond evt="onPrev" delay="0">
-                  <p:tgtEl>
-                    <p:sldTgt/>
-                  </p:tgtEl>
-                </p:cond>
-              </p:prevCondLst>
-              <p:nextCondLst>
-                <p:cond evt="onNext" delay="0">
-                  <p:tgtEl>
-                    <p:sldTgt/>
-                  </p:tgtEl>
-                </p:cond>
-              </p:nextCondLst>
-            </p:seq>
-          </p:childTnLst>
-        </p:cTn>
-      </p:par>
-    </p:tnLst>
-  </p:timing>
 </p:sld>
 </file>
 
